--- a/excel_menu_gui/templates/presentation_template.pptx
+++ b/excel_menu_gui/templates/presentation_template.pptx
@@ -249,7 +249,7 @@
           <a:p>
             <a:fld id="{F002C93F-F68F-466C-B6A1-9C22EDD85320}" type="datetimeFigureOut">
               <a:rPr lang="ru-RU" smtClean="0"/>
-              <a:t>10.09.2025</a:t>
+              <a:t>17.09.2025</a:t>
             </a:fld>
             <a:endParaRPr lang="ru-RU"/>
           </a:p>
@@ -307,11 +307,11 @@
   <p:clrMapOvr>
     <a:masterClrMapping/>
   </p:clrMapOvr>
-  <mc:AlternateContent xmlns:mc="http://schemas.openxmlformats.org/markup-compatibility/2006">
-    <mc:Choice xmlns:p14="http://schemas.microsoft.com/office/powerpoint/2010/main" Requires="p14">
+  <mc:AlternateContent xmlns:mc="http://schemas.openxmlformats.org/markup-compatibility/2006" xmlns:p14="http://schemas.microsoft.com/office/powerpoint/2010/main">
+    <mc:Choice Requires="p14">
       <p:transition p14:dur="0" advClick="0" advTm="10500"/>
     </mc:Choice>
-    <mc:Fallback>
+    <mc:Fallback xmlns="">
       <p:transition advClick="0" advTm="10500"/>
     </mc:Fallback>
   </mc:AlternateContent>
@@ -427,7 +427,7 @@
           <a:p>
             <a:fld id="{F002C93F-F68F-466C-B6A1-9C22EDD85320}" type="datetimeFigureOut">
               <a:rPr lang="ru-RU" smtClean="0"/>
-              <a:t>10.09.2025</a:t>
+              <a:t>17.09.2025</a:t>
             </a:fld>
             <a:endParaRPr lang="ru-RU"/>
           </a:p>
@@ -485,11 +485,11 @@
   <p:clrMapOvr>
     <a:masterClrMapping/>
   </p:clrMapOvr>
-  <mc:AlternateContent xmlns:mc="http://schemas.openxmlformats.org/markup-compatibility/2006">
-    <mc:Choice xmlns:p14="http://schemas.microsoft.com/office/powerpoint/2010/main" Requires="p14">
+  <mc:AlternateContent xmlns:mc="http://schemas.openxmlformats.org/markup-compatibility/2006" xmlns:p14="http://schemas.microsoft.com/office/powerpoint/2010/main">
+    <mc:Choice Requires="p14">
       <p:transition p14:dur="0" advClick="0" advTm="10500"/>
     </mc:Choice>
-    <mc:Fallback>
+    <mc:Fallback xmlns="">
       <p:transition advClick="0" advTm="10500"/>
     </mc:Fallback>
   </mc:AlternateContent>
@@ -615,7 +615,7 @@
           <a:p>
             <a:fld id="{F002C93F-F68F-466C-B6A1-9C22EDD85320}" type="datetimeFigureOut">
               <a:rPr lang="ru-RU" smtClean="0"/>
-              <a:t>10.09.2025</a:t>
+              <a:t>17.09.2025</a:t>
             </a:fld>
             <a:endParaRPr lang="ru-RU"/>
           </a:p>
@@ -673,11 +673,11 @@
   <p:clrMapOvr>
     <a:masterClrMapping/>
   </p:clrMapOvr>
-  <mc:AlternateContent xmlns:mc="http://schemas.openxmlformats.org/markup-compatibility/2006">
-    <mc:Choice xmlns:p14="http://schemas.microsoft.com/office/powerpoint/2010/main" Requires="p14">
+  <mc:AlternateContent xmlns:mc="http://schemas.openxmlformats.org/markup-compatibility/2006" xmlns:p14="http://schemas.microsoft.com/office/powerpoint/2010/main">
+    <mc:Choice Requires="p14">
       <p:transition p14:dur="0" advClick="0" advTm="10500"/>
     </mc:Choice>
-    <mc:Fallback>
+    <mc:Fallback xmlns="">
       <p:transition advClick="0" advTm="10500"/>
     </mc:Fallback>
   </mc:AlternateContent>
@@ -793,7 +793,7 @@
           <a:p>
             <a:fld id="{F002C93F-F68F-466C-B6A1-9C22EDD85320}" type="datetimeFigureOut">
               <a:rPr lang="ru-RU" smtClean="0"/>
-              <a:t>10.09.2025</a:t>
+              <a:t>17.09.2025</a:t>
             </a:fld>
             <a:endParaRPr lang="ru-RU"/>
           </a:p>
@@ -851,11 +851,11 @@
   <p:clrMapOvr>
     <a:masterClrMapping/>
   </p:clrMapOvr>
-  <mc:AlternateContent xmlns:mc="http://schemas.openxmlformats.org/markup-compatibility/2006">
-    <mc:Choice xmlns:p14="http://schemas.microsoft.com/office/powerpoint/2010/main" Requires="p14">
+  <mc:AlternateContent xmlns:mc="http://schemas.openxmlformats.org/markup-compatibility/2006" xmlns:p14="http://schemas.microsoft.com/office/powerpoint/2010/main">
+    <mc:Choice Requires="p14">
       <p:transition p14:dur="0" advClick="0" advTm="10500"/>
     </mc:Choice>
-    <mc:Fallback>
+    <mc:Fallback xmlns="">
       <p:transition advClick="0" advTm="10500"/>
     </mc:Fallback>
   </mc:AlternateContent>
@@ -1047,7 +1047,7 @@
           <a:p>
             <a:fld id="{F002C93F-F68F-466C-B6A1-9C22EDD85320}" type="datetimeFigureOut">
               <a:rPr lang="ru-RU" smtClean="0"/>
-              <a:t>10.09.2025</a:t>
+              <a:t>17.09.2025</a:t>
             </a:fld>
             <a:endParaRPr lang="ru-RU"/>
           </a:p>
@@ -1105,11 +1105,11 @@
   <p:clrMapOvr>
     <a:masterClrMapping/>
   </p:clrMapOvr>
-  <mc:AlternateContent xmlns:mc="http://schemas.openxmlformats.org/markup-compatibility/2006">
-    <mc:Choice xmlns:p14="http://schemas.microsoft.com/office/powerpoint/2010/main" Requires="p14">
+  <mc:AlternateContent xmlns:mc="http://schemas.openxmlformats.org/markup-compatibility/2006" xmlns:p14="http://schemas.microsoft.com/office/powerpoint/2010/main">
+    <mc:Choice Requires="p14">
       <p:transition p14:dur="0" advClick="0" advTm="10500"/>
     </mc:Choice>
-    <mc:Fallback>
+    <mc:Fallback xmlns="">
       <p:transition advClick="0" advTm="10500"/>
     </mc:Fallback>
   </mc:AlternateContent>
@@ -1287,7 +1287,7 @@
           <a:p>
             <a:fld id="{F002C93F-F68F-466C-B6A1-9C22EDD85320}" type="datetimeFigureOut">
               <a:rPr lang="ru-RU" smtClean="0"/>
-              <a:t>10.09.2025</a:t>
+              <a:t>17.09.2025</a:t>
             </a:fld>
             <a:endParaRPr lang="ru-RU"/>
           </a:p>
@@ -1345,11 +1345,11 @@
   <p:clrMapOvr>
     <a:masterClrMapping/>
   </p:clrMapOvr>
-  <mc:AlternateContent xmlns:mc="http://schemas.openxmlformats.org/markup-compatibility/2006">
-    <mc:Choice xmlns:p14="http://schemas.microsoft.com/office/powerpoint/2010/main" Requires="p14">
+  <mc:AlternateContent xmlns:mc="http://schemas.openxmlformats.org/markup-compatibility/2006" xmlns:p14="http://schemas.microsoft.com/office/powerpoint/2010/main">
+    <mc:Choice Requires="p14">
       <p:transition p14:dur="0" advClick="0" advTm="10500"/>
     </mc:Choice>
-    <mc:Fallback>
+    <mc:Fallback xmlns="">
       <p:transition advClick="0" advTm="10500"/>
     </mc:Fallback>
   </mc:AlternateContent>
@@ -1662,7 +1662,7 @@
           <a:p>
             <a:fld id="{F002C93F-F68F-466C-B6A1-9C22EDD85320}" type="datetimeFigureOut">
               <a:rPr lang="ru-RU" smtClean="0"/>
-              <a:t>10.09.2025</a:t>
+              <a:t>17.09.2025</a:t>
             </a:fld>
             <a:endParaRPr lang="ru-RU"/>
           </a:p>
@@ -1720,11 +1720,11 @@
   <p:clrMapOvr>
     <a:masterClrMapping/>
   </p:clrMapOvr>
-  <mc:AlternateContent xmlns:mc="http://schemas.openxmlformats.org/markup-compatibility/2006">
-    <mc:Choice xmlns:p14="http://schemas.microsoft.com/office/powerpoint/2010/main" Requires="p14">
+  <mc:AlternateContent xmlns:mc="http://schemas.openxmlformats.org/markup-compatibility/2006" xmlns:p14="http://schemas.microsoft.com/office/powerpoint/2010/main">
+    <mc:Choice Requires="p14">
       <p:transition p14:dur="0" advClick="0" advTm="10500"/>
     </mc:Choice>
-    <mc:Fallback>
+    <mc:Fallback xmlns="">
       <p:transition advClick="0" advTm="10500"/>
     </mc:Fallback>
   </mc:AlternateContent>
@@ -1788,7 +1788,7 @@
           <a:p>
             <a:fld id="{F002C93F-F68F-466C-B6A1-9C22EDD85320}" type="datetimeFigureOut">
               <a:rPr lang="ru-RU" smtClean="0"/>
-              <a:t>10.09.2025</a:t>
+              <a:t>17.09.2025</a:t>
             </a:fld>
             <a:endParaRPr lang="ru-RU"/>
           </a:p>
@@ -1846,11 +1846,11 @@
   <p:clrMapOvr>
     <a:masterClrMapping/>
   </p:clrMapOvr>
-  <mc:AlternateContent xmlns:mc="http://schemas.openxmlformats.org/markup-compatibility/2006">
-    <mc:Choice xmlns:p14="http://schemas.microsoft.com/office/powerpoint/2010/main" Requires="p14">
+  <mc:AlternateContent xmlns:mc="http://schemas.openxmlformats.org/markup-compatibility/2006" xmlns:p14="http://schemas.microsoft.com/office/powerpoint/2010/main">
+    <mc:Choice Requires="p14">
       <p:transition p14:dur="0" advClick="0" advTm="10500"/>
     </mc:Choice>
-    <mc:Fallback>
+    <mc:Fallback xmlns="">
       <p:transition advClick="0" advTm="10500"/>
     </mc:Fallback>
   </mc:AlternateContent>
@@ -1891,7 +1891,7 @@
           <a:p>
             <a:fld id="{F002C93F-F68F-466C-B6A1-9C22EDD85320}" type="datetimeFigureOut">
               <a:rPr lang="ru-RU" smtClean="0"/>
-              <a:t>10.09.2025</a:t>
+              <a:t>17.09.2025</a:t>
             </a:fld>
             <a:endParaRPr lang="ru-RU"/>
           </a:p>
@@ -1949,11 +1949,11 @@
   <p:clrMapOvr>
     <a:masterClrMapping/>
   </p:clrMapOvr>
-  <mc:AlternateContent xmlns:mc="http://schemas.openxmlformats.org/markup-compatibility/2006">
-    <mc:Choice xmlns:p14="http://schemas.microsoft.com/office/powerpoint/2010/main" Requires="p14">
+  <mc:AlternateContent xmlns:mc="http://schemas.openxmlformats.org/markup-compatibility/2006" xmlns:p14="http://schemas.microsoft.com/office/powerpoint/2010/main">
+    <mc:Choice Requires="p14">
       <p:transition p14:dur="0" advClick="0" advTm="10500"/>
     </mc:Choice>
-    <mc:Fallback>
+    <mc:Fallback xmlns="">
       <p:transition advClick="0" advTm="10500"/>
     </mc:Fallback>
   </mc:AlternateContent>
@@ -2176,7 +2176,7 @@
           <a:p>
             <a:fld id="{F002C93F-F68F-466C-B6A1-9C22EDD85320}" type="datetimeFigureOut">
               <a:rPr lang="ru-RU" smtClean="0"/>
-              <a:t>10.09.2025</a:t>
+              <a:t>17.09.2025</a:t>
             </a:fld>
             <a:endParaRPr lang="ru-RU"/>
           </a:p>
@@ -2234,11 +2234,11 @@
   <p:clrMapOvr>
     <a:masterClrMapping/>
   </p:clrMapOvr>
-  <mc:AlternateContent xmlns:mc="http://schemas.openxmlformats.org/markup-compatibility/2006">
-    <mc:Choice xmlns:p14="http://schemas.microsoft.com/office/powerpoint/2010/main" Requires="p14">
+  <mc:AlternateContent xmlns:mc="http://schemas.openxmlformats.org/markup-compatibility/2006" xmlns:p14="http://schemas.microsoft.com/office/powerpoint/2010/main">
+    <mc:Choice Requires="p14">
       <p:transition p14:dur="0" advClick="0" advTm="10500"/>
     </mc:Choice>
-    <mc:Fallback>
+    <mc:Fallback xmlns="">
       <p:transition advClick="0" advTm="10500"/>
     </mc:Fallback>
   </mc:AlternateContent>
@@ -2441,7 +2441,7 @@
           <a:p>
             <a:fld id="{F002C93F-F68F-466C-B6A1-9C22EDD85320}" type="datetimeFigureOut">
               <a:rPr lang="ru-RU" smtClean="0"/>
-              <a:t>10.09.2025</a:t>
+              <a:t>17.09.2025</a:t>
             </a:fld>
             <a:endParaRPr lang="ru-RU"/>
           </a:p>
@@ -2499,11 +2499,11 @@
   <p:clrMapOvr>
     <a:masterClrMapping/>
   </p:clrMapOvr>
-  <mc:AlternateContent xmlns:mc="http://schemas.openxmlformats.org/markup-compatibility/2006">
-    <mc:Choice xmlns:p14="http://schemas.microsoft.com/office/powerpoint/2010/main" Requires="p14">
+  <mc:AlternateContent xmlns:mc="http://schemas.openxmlformats.org/markup-compatibility/2006" xmlns:p14="http://schemas.microsoft.com/office/powerpoint/2010/main">
+    <mc:Choice Requires="p14">
       <p:transition p14:dur="0" advClick="0" advTm="10500"/>
     </mc:Choice>
-    <mc:Fallback>
+    <mc:Fallback xmlns="">
       <p:transition advClick="0" advTm="10500"/>
     </mc:Fallback>
   </mc:AlternateContent>
@@ -2662,7 +2662,7 @@
           <a:p>
             <a:fld id="{F002C93F-F68F-466C-B6A1-9C22EDD85320}" type="datetimeFigureOut">
               <a:rPr lang="ru-RU" smtClean="0"/>
-              <a:t>10.09.2025</a:t>
+              <a:t>17.09.2025</a:t>
             </a:fld>
             <a:endParaRPr lang="ru-RU"/>
           </a:p>
@@ -2767,11 +2767,11 @@
     <p:sldLayoutId id="2147483670" r:id="rId10"/>
     <p:sldLayoutId id="2147483671" r:id="rId11"/>
   </p:sldLayoutIdLst>
-  <mc:AlternateContent xmlns:mc="http://schemas.openxmlformats.org/markup-compatibility/2006">
-    <mc:Choice xmlns:p14="http://schemas.microsoft.com/office/powerpoint/2010/main" Requires="p14">
+  <mc:AlternateContent xmlns:mc="http://schemas.openxmlformats.org/markup-compatibility/2006" xmlns:p14="http://schemas.microsoft.com/office/powerpoint/2010/main">
+    <mc:Choice Requires="p14">
       <p:transition p14:dur="0" advClick="0" advTm="10500"/>
     </mc:Choice>
-    <mc:Fallback>
+    <mc:Fallback xmlns="">
       <p:transition advClick="0" advTm="10500"/>
     </mc:Fallback>
   </mc:AlternateContent>
@@ -3230,11 +3230,11 @@
   <p:clrMapOvr>
     <a:masterClrMapping/>
   </p:clrMapOvr>
-  <mc:AlternateContent xmlns:mc="http://schemas.openxmlformats.org/markup-compatibility/2006">
-    <mc:Choice xmlns:p14="http://schemas.microsoft.com/office/powerpoint/2010/main" Requires="p14">
+  <mc:AlternateContent xmlns:mc="http://schemas.openxmlformats.org/markup-compatibility/2006" xmlns:p14="http://schemas.microsoft.com/office/powerpoint/2010/main">
+    <mc:Choice Requires="p14">
       <p:transition p14:dur="0" advClick="0" advTm="10500"/>
     </mc:Choice>
-    <mc:Fallback>
+    <mc:Fallback xmlns="">
       <p:transition advClick="0" advTm="10500"/>
     </mc:Fallback>
   </mc:AlternateContent>
@@ -5453,11 +5453,11 @@
   <p:clrMapOvr>
     <a:masterClrMapping/>
   </p:clrMapOvr>
-  <mc:AlternateContent xmlns:mc="http://schemas.openxmlformats.org/markup-compatibility/2006">
-    <mc:Choice xmlns:p14="http://schemas.microsoft.com/office/powerpoint/2010/main" Requires="p14">
+  <mc:AlternateContent xmlns:mc="http://schemas.openxmlformats.org/markup-compatibility/2006" xmlns:p14="http://schemas.microsoft.com/office/powerpoint/2010/main">
+    <mc:Choice Requires="p14">
       <p:transition p14:dur="0" advClick="0" advTm="10500"/>
     </mc:Choice>
-    <mc:Fallback>
+    <mc:Fallback xmlns="">
       <p:transition advClick="0" advTm="10500"/>
     </mc:Fallback>
   </mc:AlternateContent>
@@ -7543,11 +7543,11 @@
   <p:clrMapOvr>
     <a:masterClrMapping/>
   </p:clrMapOvr>
-  <mc:AlternateContent xmlns:mc="http://schemas.openxmlformats.org/markup-compatibility/2006">
-    <mc:Choice xmlns:p14="http://schemas.microsoft.com/office/powerpoint/2010/main" Requires="p14">
+  <mc:AlternateContent xmlns:mc="http://schemas.openxmlformats.org/markup-compatibility/2006" xmlns:p14="http://schemas.microsoft.com/office/powerpoint/2010/main">
+    <mc:Choice Requires="p14">
       <p:transition p14:dur="0" advClick="0" advTm="10500"/>
     </mc:Choice>
-    <mc:Fallback>
+    <mc:Fallback xmlns="">
       <p:transition advClick="0" advTm="10500"/>
     </mc:Fallback>
   </mc:AlternateContent>
@@ -9646,11 +9646,11 @@
   <p:clrMapOvr>
     <a:masterClrMapping/>
   </p:clrMapOvr>
-  <mc:AlternateContent xmlns:mc="http://schemas.openxmlformats.org/markup-compatibility/2006">
-    <mc:Choice xmlns:p14="http://schemas.microsoft.com/office/powerpoint/2010/main" Requires="p14">
+  <mc:AlternateContent xmlns:mc="http://schemas.openxmlformats.org/markup-compatibility/2006" xmlns:p14="http://schemas.microsoft.com/office/powerpoint/2010/main">
+    <mc:Choice Requires="p14">
       <p:transition p14:dur="0" advClick="0" advTm="10500"/>
     </mc:Choice>
-    <mc:Fallback>
+    <mc:Fallback xmlns="">
       <p:transition advClick="0" advTm="10500"/>
     </mc:Fallback>
   </mc:AlternateContent>
@@ -11740,11 +11740,11 @@
   <p:clrMapOvr>
     <a:masterClrMapping/>
   </p:clrMapOvr>
-  <mc:AlternateContent xmlns:mc="http://schemas.openxmlformats.org/markup-compatibility/2006">
-    <mc:Choice xmlns:p14="http://schemas.microsoft.com/office/powerpoint/2010/main" Requires="p14">
+  <mc:AlternateContent xmlns:mc="http://schemas.openxmlformats.org/markup-compatibility/2006" xmlns:p14="http://schemas.microsoft.com/office/powerpoint/2010/main">
+    <mc:Choice Requires="p14">
       <p:transition p14:dur="0" advClick="0" advTm="10500"/>
     </mc:Choice>
-    <mc:Fallback>
+    <mc:Fallback xmlns="">
       <p:transition advClick="0" advTm="10500"/>
     </mc:Fallback>
   </mc:AlternateContent>
@@ -12268,14 +12268,14 @@
           <p:nvPr>
             <p:extLst>
               <p:ext uri="{D42A27DB-BD31-4B8C-83A1-F6EECF244321}">
-                <p14:modId xmlns:p14="http://schemas.microsoft.com/office/powerpoint/2010/main" val="3561896182"/>
+                <p14:modId xmlns:p14="http://schemas.microsoft.com/office/powerpoint/2010/main" val="2170614599"/>
               </p:ext>
             </p:extLst>
           </p:nvPr>
         </p:nvGraphicFramePr>
         <p:xfrm>
           <a:off x="3431263" y="0"/>
-          <a:ext cx="8745648" cy="7262685"/>
+          <a:ext cx="8745648" cy="5439869"/>
         </p:xfrm>
         <a:graphic>
           <a:graphicData uri="http://schemas.openxmlformats.org/drawingml/2006/table">
@@ -12507,522 +12507,14 @@
                   </a:ext>
                 </a:extLst>
               </a:tr>
-              <a:tr h="306817">
-                <a:tc>
-                  <a:txBody>
-                    <a:bodyPr/>
-                    <a:lstStyle/>
-                    <a:p>
-                      <a:pPr algn="l" fontAlgn="b">
-                        <a:buNone/>
-                      </a:pPr>
-                      <a:r>
-                        <a:rPr lang="ru-RU" sz="2800" b="0" i="0" u="none" strike="noStrike">
-                          <a:solidFill>
-                            <a:schemeClr val="tx1"/>
-                          </a:solidFill>
-                          <a:effectLst/>
-                          <a:latin typeface="Gilroy Medium" panose="00000600000000000000"/>
-                        </a:rPr>
-                        <a:t>Котлета по-приморски</a:t>
-                      </a:r>
-                    </a:p>
-                  </a:txBody>
-                  <a:tcPr marL="6350" marR="6350" marT="6350" marB="0" anchor="b">
-                    <a:lnL w="12700" cmpd="sng">
-                      <a:noFill/>
-                      <a:prstDash val="solid"/>
-                    </a:lnL>
-                    <a:lnR w="12700" cmpd="sng">
-                      <a:noFill/>
-                      <a:prstDash val="solid"/>
-                    </a:lnR>
-                    <a:lnT w="12700" cmpd="sng">
-                      <a:noFill/>
-                      <a:prstDash val="solid"/>
-                    </a:lnT>
-                    <a:lnB w="12700" cmpd="sng">
-                      <a:noFill/>
-                      <a:prstDash val="solid"/>
-                    </a:lnB>
-                    <a:noFill/>
-                  </a:tcPr>
-                </a:tc>
-                <a:tc>
-                  <a:txBody>
-                    <a:bodyPr/>
-                    <a:lstStyle/>
-                    <a:p>
-                      <a:pPr algn="ctr" fontAlgn="b">
-                        <a:buNone/>
-                      </a:pPr>
-                      <a:r>
-                        <a:rPr lang="ru-RU" sz="2800" b="0" i="0" u="none" strike="noStrike">
-                          <a:solidFill>
-                            <a:schemeClr val="tx1"/>
-                          </a:solidFill>
-                          <a:effectLst/>
-                          <a:latin typeface="Gilroy Medium" panose="00000600000000000000"/>
-                        </a:rPr>
-                        <a:t>100г</a:t>
-                      </a:r>
-                    </a:p>
-                  </a:txBody>
-                  <a:tcPr marL="6350" marR="6350" marT="6350" marB="0" anchor="b">
-                    <a:lnL w="12700" cmpd="sng">
-                      <a:noFill/>
-                      <a:prstDash val="solid"/>
-                    </a:lnL>
-                    <a:lnR w="12700" cmpd="sng">
-                      <a:noFill/>
-                      <a:prstDash val="solid"/>
-                    </a:lnR>
-                    <a:lnT w="12700" cmpd="sng">
-                      <a:noFill/>
-                      <a:prstDash val="solid"/>
-                    </a:lnT>
-                    <a:lnB w="12700" cmpd="sng">
-                      <a:noFill/>
-                      <a:prstDash val="solid"/>
-                    </a:lnB>
-                    <a:noFill/>
-                  </a:tcPr>
-                </a:tc>
-                <a:tc>
-                  <a:txBody>
-                    <a:bodyPr/>
-                    <a:lstStyle/>
-                    <a:p>
-                      <a:pPr algn="ctr" fontAlgn="b">
-                        <a:buNone/>
-                      </a:pPr>
-                      <a:r>
-                        <a:rPr lang="ru-RU" sz="2800" b="0" i="0" u="none" strike="noStrike">
-                          <a:solidFill>
-                            <a:schemeClr val="tx1"/>
-                          </a:solidFill>
-                          <a:effectLst/>
-                          <a:latin typeface="Gilroy Medium" panose="00000600000000000000"/>
-                        </a:rPr>
-                        <a:t>225</a:t>
-                      </a:r>
-                    </a:p>
-                  </a:txBody>
-                  <a:tcPr marL="6350" marR="6350" marT="6350" marB="0" anchor="b">
-                    <a:lnL w="12700" cmpd="sng">
-                      <a:noFill/>
-                      <a:prstDash val="solid"/>
-                    </a:lnL>
-                    <a:lnR w="12700" cmpd="sng">
-                      <a:noFill/>
-                      <a:prstDash val="solid"/>
-                    </a:lnR>
-                    <a:lnT w="12700" cmpd="sng">
-                      <a:noFill/>
-                      <a:prstDash val="solid"/>
-                    </a:lnT>
-                    <a:lnB w="12700" cmpd="sng">
-                      <a:noFill/>
-                      <a:prstDash val="solid"/>
-                    </a:lnB>
-                    <a:noFill/>
-                  </a:tcPr>
-                </a:tc>
-                <a:extLst>
-                  <a:ext uri="{0D108BD9-81ED-4DB2-BD59-A6C34878D82A}">
-                    <a16:rowId xmlns:a16="http://schemas.microsoft.com/office/drawing/2014/main" val="2187175751"/>
-                  </a:ext>
-                </a:extLst>
-              </a:tr>
-              <a:tr h="332299">
-                <a:tc>
-                  <a:txBody>
-                    <a:bodyPr/>
-                    <a:lstStyle/>
-                    <a:p>
-                      <a:pPr algn="l" fontAlgn="b">
-                        <a:buNone/>
-                      </a:pPr>
-                      <a:r>
-                        <a:rPr lang="ru-RU" sz="2800" b="0" i="0" u="none" strike="noStrike">
-                          <a:solidFill>
-                            <a:schemeClr val="tx1"/>
-                          </a:solidFill>
-                          <a:effectLst/>
-                          <a:latin typeface="Gilroy Medium" panose="00000600000000000000"/>
-                        </a:rPr>
-                        <a:t>Пангасиус под маринадом</a:t>
-                      </a:r>
-                    </a:p>
-                  </a:txBody>
-                  <a:tcPr marL="6350" marR="6350" marT="6350" marB="0" anchor="b">
-                    <a:lnL w="12700" cmpd="sng">
-                      <a:noFill/>
-                      <a:prstDash val="solid"/>
-                    </a:lnL>
-                    <a:lnR w="12700" cmpd="sng">
-                      <a:noFill/>
-                      <a:prstDash val="solid"/>
-                    </a:lnR>
-                    <a:lnT w="12700" cmpd="sng">
-                      <a:noFill/>
-                      <a:prstDash val="solid"/>
-                    </a:lnT>
-                    <a:lnB w="12700" cmpd="sng">
-                      <a:noFill/>
-                      <a:prstDash val="solid"/>
-                    </a:lnB>
-                    <a:noFill/>
-                  </a:tcPr>
-                </a:tc>
-                <a:tc>
-                  <a:txBody>
-                    <a:bodyPr/>
-                    <a:lstStyle/>
-                    <a:p>
-                      <a:pPr algn="ctr" fontAlgn="b">
-                        <a:buNone/>
-                      </a:pPr>
-                      <a:r>
-                        <a:rPr lang="ru-RU" sz="2800" b="0" i="0" u="none" strike="noStrike">
-                          <a:solidFill>
-                            <a:schemeClr val="tx1"/>
-                          </a:solidFill>
-                          <a:effectLst/>
-                          <a:latin typeface="Gilroy Medium" panose="00000600000000000000"/>
-                        </a:rPr>
-                        <a:t>100г</a:t>
-                      </a:r>
-                    </a:p>
-                  </a:txBody>
-                  <a:tcPr marL="6350" marR="6350" marT="6350" marB="0" anchor="b">
-                    <a:lnL w="12700" cmpd="sng">
-                      <a:noFill/>
-                      <a:prstDash val="solid"/>
-                    </a:lnL>
-                    <a:lnR w="12700" cmpd="sng">
-                      <a:noFill/>
-                      <a:prstDash val="solid"/>
-                    </a:lnR>
-                    <a:lnT w="12700" cmpd="sng">
-                      <a:noFill/>
-                      <a:prstDash val="solid"/>
-                    </a:lnT>
-                    <a:lnB w="12700" cmpd="sng">
-                      <a:noFill/>
-                      <a:prstDash val="solid"/>
-                    </a:lnB>
-                    <a:noFill/>
-                  </a:tcPr>
-                </a:tc>
-                <a:tc>
-                  <a:txBody>
-                    <a:bodyPr/>
-                    <a:lstStyle/>
-                    <a:p>
-                      <a:pPr algn="ctr" fontAlgn="b">
-                        <a:buNone/>
-                      </a:pPr>
-                      <a:r>
-                        <a:rPr lang="ru-RU" sz="2800" b="0" i="0" u="none" strike="noStrike">
-                          <a:solidFill>
-                            <a:schemeClr val="tx1"/>
-                          </a:solidFill>
-                          <a:effectLst/>
-                          <a:latin typeface="Gilroy Medium" panose="00000600000000000000"/>
-                        </a:rPr>
-                        <a:t>220</a:t>
-                      </a:r>
-                    </a:p>
-                  </a:txBody>
-                  <a:tcPr marL="6350" marR="6350" marT="6350" marB="0" anchor="b">
-                    <a:lnL w="12700" cmpd="sng">
-                      <a:noFill/>
-                      <a:prstDash val="solid"/>
-                    </a:lnL>
-                    <a:lnR w="12700" cmpd="sng">
-                      <a:noFill/>
-                      <a:prstDash val="solid"/>
-                    </a:lnR>
-                    <a:lnT w="12700" cmpd="sng">
-                      <a:noFill/>
-                      <a:prstDash val="solid"/>
-                    </a:lnT>
-                    <a:lnB w="12700" cmpd="sng">
-                      <a:noFill/>
-                      <a:prstDash val="solid"/>
-                    </a:lnB>
-                    <a:noFill/>
-                  </a:tcPr>
-                </a:tc>
-                <a:extLst>
-                  <a:ext uri="{0D108BD9-81ED-4DB2-BD59-A6C34878D82A}">
-                    <a16:rowId xmlns:a16="http://schemas.microsoft.com/office/drawing/2014/main" val="3188998982"/>
-                  </a:ext>
-                </a:extLst>
-              </a:tr>
               <a:tr h="478338">
                 <a:tc>
                   <a:txBody>
                     <a:bodyPr/>
                     <a:lstStyle/>
                     <a:p>
-                      <a:pPr algn="l" fontAlgn="b">
-                        <a:buNone/>
-                      </a:pPr>
-                      <a:r>
-                        <a:rPr lang="ru-RU" sz="2800" b="0" i="0" u="none" strike="noStrike">
-                          <a:solidFill>
-                            <a:schemeClr val="tx1"/>
-                          </a:solidFill>
-                          <a:effectLst/>
-                          <a:latin typeface="Gilroy Medium" panose="00000600000000000000"/>
-                        </a:rPr>
-                        <a:t>Филе форели гриль</a:t>
-                      </a:r>
-                    </a:p>
-                  </a:txBody>
-                  <a:tcPr marL="6350" marR="6350" marT="6350" marB="0" anchor="b">
-                    <a:lnL w="12700" cmpd="sng">
-                      <a:noFill/>
-                      <a:prstDash val="solid"/>
-                    </a:lnL>
-                    <a:lnR w="12700" cmpd="sng">
-                      <a:noFill/>
-                      <a:prstDash val="solid"/>
-                    </a:lnR>
-                    <a:lnT w="12700" cmpd="sng">
-                      <a:noFill/>
-                      <a:prstDash val="solid"/>
-                    </a:lnT>
-                    <a:lnB w="12700" cmpd="sng">
-                      <a:noFill/>
-                      <a:prstDash val="solid"/>
-                    </a:lnB>
-                    <a:noFill/>
-                  </a:tcPr>
-                </a:tc>
-                <a:tc>
-                  <a:txBody>
-                    <a:bodyPr/>
-                    <a:lstStyle/>
-                    <a:p>
-                      <a:pPr algn="ctr" fontAlgn="b">
-                        <a:buNone/>
-                      </a:pPr>
-                      <a:r>
-                        <a:rPr lang="ru-RU" sz="2800" b="0" i="0" u="none" strike="noStrike">
-                          <a:solidFill>
-                            <a:schemeClr val="tx1"/>
-                          </a:solidFill>
-                          <a:effectLst/>
-                          <a:latin typeface="Gilroy Medium" panose="00000600000000000000"/>
-                        </a:rPr>
-                        <a:t>100г</a:t>
-                      </a:r>
-                    </a:p>
-                  </a:txBody>
-                  <a:tcPr marL="6350" marR="6350" marT="6350" marB="0" anchor="b">
-                    <a:lnL w="12700" cmpd="sng">
-                      <a:noFill/>
-                      <a:prstDash val="solid"/>
-                    </a:lnL>
-                    <a:lnR w="12700" cmpd="sng">
-                      <a:noFill/>
-                      <a:prstDash val="solid"/>
-                    </a:lnR>
-                    <a:lnT w="12700" cmpd="sng">
-                      <a:noFill/>
-                      <a:prstDash val="solid"/>
-                    </a:lnT>
-                    <a:lnB w="12700" cmpd="sng">
-                      <a:noFill/>
-                      <a:prstDash val="solid"/>
-                    </a:lnB>
-                    <a:noFill/>
-                  </a:tcPr>
-                </a:tc>
-                <a:tc>
-                  <a:txBody>
-                    <a:bodyPr/>
-                    <a:lstStyle/>
-                    <a:p>
-                      <a:pPr algn="ctr" fontAlgn="b">
-                        <a:buNone/>
-                      </a:pPr>
-                      <a:r>
-                        <a:rPr lang="ru-RU" sz="2800" b="0" i="0" u="none" strike="noStrike">
-                          <a:solidFill>
-                            <a:schemeClr val="tx1"/>
-                          </a:solidFill>
-                          <a:effectLst/>
-                          <a:latin typeface="Gilroy Medium" panose="00000600000000000000"/>
-                        </a:rPr>
-                        <a:t>500</a:t>
-                      </a:r>
-                    </a:p>
-                  </a:txBody>
-                  <a:tcPr marL="6350" marR="6350" marT="6350" marB="0" anchor="b">
-                    <a:lnL w="12700" cmpd="sng">
-                      <a:noFill/>
-                      <a:prstDash val="solid"/>
-                    </a:lnL>
-                    <a:lnR w="12700" cmpd="sng">
-                      <a:noFill/>
-                      <a:prstDash val="solid"/>
-                    </a:lnR>
-                    <a:lnT w="12700" cmpd="sng">
-                      <a:noFill/>
-                      <a:prstDash val="solid"/>
-                    </a:lnT>
-                    <a:lnB w="12700" cmpd="sng">
-                      <a:noFill/>
-                      <a:prstDash val="solid"/>
-                    </a:lnB>
-                    <a:noFill/>
-                  </a:tcPr>
-                </a:tc>
-                <a:extLst>
-                  <a:ext uri="{0D108BD9-81ED-4DB2-BD59-A6C34878D82A}">
-                    <a16:rowId xmlns:a16="http://schemas.microsoft.com/office/drawing/2014/main" val="1738901145"/>
-                  </a:ext>
-                </a:extLst>
-              </a:tr>
-              <a:tr h="478338">
-                <a:tc>
-                  <a:txBody>
-                    <a:bodyPr/>
-                    <a:lstStyle/>
-                    <a:p>
-                      <a:pPr algn="l" fontAlgn="b">
-                        <a:buNone/>
-                      </a:pPr>
-                      <a:r>
-                        <a:rPr lang="ru-RU" sz="2800" b="0" i="0" u="none" strike="noStrike">
-                          <a:solidFill>
-                            <a:schemeClr val="tx1"/>
-                          </a:solidFill>
-                          <a:effectLst/>
-                          <a:latin typeface="Gilroy Medium" panose="00000600000000000000"/>
-                        </a:rPr>
-                        <a:t>Хек жареный по-домашнему </a:t>
-                      </a:r>
-                    </a:p>
-                  </a:txBody>
-                  <a:tcPr marL="6350" marR="6350" marT="6350" marB="0" anchor="b">
-                    <a:lnL w="12700" cmpd="sng">
-                      <a:noFill/>
-                      <a:prstDash val="solid"/>
-                    </a:lnL>
-                    <a:lnR w="12700" cmpd="sng">
-                      <a:noFill/>
-                      <a:prstDash val="solid"/>
-                    </a:lnR>
-                    <a:lnT w="12700" cmpd="sng">
-                      <a:noFill/>
-                      <a:prstDash val="solid"/>
-                    </a:lnT>
-                    <a:lnB w="12700" cmpd="sng">
-                      <a:noFill/>
-                      <a:prstDash val="solid"/>
-                    </a:lnB>
-                    <a:noFill/>
-                  </a:tcPr>
-                </a:tc>
-                <a:tc>
-                  <a:txBody>
-                    <a:bodyPr/>
-                    <a:lstStyle/>
-                    <a:p>
-                      <a:pPr algn="ctr" fontAlgn="b">
-                        <a:buNone/>
-                      </a:pPr>
-                      <a:r>
-                        <a:rPr lang="ru-RU" sz="2800" b="0" i="0" u="none" strike="noStrike">
-                          <a:solidFill>
-                            <a:schemeClr val="tx1"/>
-                          </a:solidFill>
-                          <a:effectLst/>
-                          <a:latin typeface="Gilroy Medium" panose="00000600000000000000"/>
-                        </a:rPr>
-                        <a:t>вес/100г</a:t>
-                      </a:r>
-                    </a:p>
-                  </a:txBody>
-                  <a:tcPr marL="6350" marR="6350" marT="6350" marB="0" anchor="b">
-                    <a:lnL w="12700" cmpd="sng">
-                      <a:noFill/>
-                      <a:prstDash val="solid"/>
-                    </a:lnL>
-                    <a:lnR w="12700" cmpd="sng">
-                      <a:noFill/>
-                      <a:prstDash val="solid"/>
-                    </a:lnR>
-                    <a:lnT w="12700" cmpd="sng">
-                      <a:noFill/>
-                      <a:prstDash val="solid"/>
-                    </a:lnT>
-                    <a:lnB w="12700" cmpd="sng">
-                      <a:noFill/>
-                      <a:prstDash val="solid"/>
-                    </a:lnB>
-                    <a:noFill/>
-                  </a:tcPr>
-                </a:tc>
-                <a:tc>
-                  <a:txBody>
-                    <a:bodyPr/>
-                    <a:lstStyle/>
-                    <a:p>
-                      <a:pPr algn="ctr" fontAlgn="b">
-                        <a:buNone/>
-                      </a:pPr>
-                      <a:r>
-                        <a:rPr lang="ru-RU" sz="2800" b="0" i="0" u="none" strike="noStrike" dirty="0">
-                          <a:solidFill>
-                            <a:schemeClr val="tx1"/>
-                          </a:solidFill>
-                          <a:effectLst/>
-                          <a:latin typeface="Gilroy Medium" panose="00000600000000000000"/>
-                        </a:rPr>
-                        <a:t>230</a:t>
-                      </a:r>
-                    </a:p>
-                  </a:txBody>
-                  <a:tcPr marL="6350" marR="6350" marT="6350" marB="0" anchor="b">
-                    <a:lnL w="12700" cmpd="sng">
-                      <a:noFill/>
-                      <a:prstDash val="solid"/>
-                    </a:lnL>
-                    <a:lnR w="12700" cmpd="sng">
-                      <a:noFill/>
-                      <a:prstDash val="solid"/>
-                    </a:lnR>
-                    <a:lnT w="12700" cmpd="sng">
-                      <a:noFill/>
-                      <a:prstDash val="solid"/>
-                    </a:lnT>
-                    <a:lnB w="12700" cmpd="sng">
-                      <a:noFill/>
-                      <a:prstDash val="solid"/>
-                    </a:lnB>
-                    <a:noFill/>
-                  </a:tcPr>
-                </a:tc>
-                <a:extLst>
-                  <a:ext uri="{0D108BD9-81ED-4DB2-BD59-A6C34878D82A}">
-                    <a16:rowId xmlns:a16="http://schemas.microsoft.com/office/drawing/2014/main" val="1289472077"/>
-                  </a:ext>
-                </a:extLst>
-              </a:tr>
-              <a:tr h="478338">
-                <a:tc>
-                  <a:txBody>
-                    <a:bodyPr/>
-                    <a:lstStyle/>
-                    <a:p>
                       <a:pPr algn="l" fontAlgn="b"/>
-                      <a:endParaRPr lang="ru-RU" sz="2000" b="0" i="0" u="none" strike="noStrike">
+                      <a:endParaRPr lang="ru-RU" sz="2000" b="0" i="0" u="none" strike="noStrike" dirty="0">
                         <a:solidFill>
                           <a:schemeClr val="tx1"/>
                         </a:solidFill>
@@ -13092,7 +12584,7 @@
                     <a:lstStyle/>
                     <a:p>
                       <a:pPr algn="ctr" fontAlgn="b"/>
-                      <a:endParaRPr lang="ru-RU" sz="2800" b="0" i="0" u="none" strike="noStrike">
+                      <a:endParaRPr lang="ru-RU" sz="2800" b="0" i="0" u="none" strike="noStrike" dirty="0">
                         <a:solidFill>
                           <a:schemeClr val="tx1"/>
                         </a:solidFill>
@@ -13428,7 +12920,7 @@
                     <a:lstStyle/>
                     <a:p>
                       <a:pPr algn="ctr" fontAlgn="b"/>
-                      <a:endParaRPr lang="ru-RU" sz="2800" b="0" i="0" u="none" strike="noStrike">
+                      <a:endParaRPr lang="ru-RU" sz="2800" b="0" i="0" u="none" strike="noStrike" dirty="0">
                         <a:solidFill>
                           <a:schemeClr val="tx1"/>
                         </a:solidFill>
@@ -14149,11 +13641,11 @@
   <p:clrMapOvr>
     <a:masterClrMapping/>
   </p:clrMapOvr>
-  <mc:AlternateContent xmlns:mc="http://schemas.openxmlformats.org/markup-compatibility/2006">
-    <mc:Choice xmlns:p14="http://schemas.microsoft.com/office/powerpoint/2010/main" Requires="p14">
+  <mc:AlternateContent xmlns:mc="http://schemas.openxmlformats.org/markup-compatibility/2006" xmlns:p14="http://schemas.microsoft.com/office/powerpoint/2010/main">
+    <mc:Choice Requires="p14">
       <p:transition p14:dur="0" advClick="0" advTm="10500"/>
     </mc:Choice>
-    <mc:Fallback>
+    <mc:Fallback xmlns="">
       <p:transition advClick="0" advTm="10500"/>
     </mc:Fallback>
   </mc:AlternateContent>
@@ -16294,11 +15786,11 @@
   <p:clrMapOvr>
     <a:masterClrMapping/>
   </p:clrMapOvr>
-  <mc:AlternateContent xmlns:mc="http://schemas.openxmlformats.org/markup-compatibility/2006">
-    <mc:Choice xmlns:p14="http://schemas.microsoft.com/office/powerpoint/2010/main" Requires="p14">
+  <mc:AlternateContent xmlns:mc="http://schemas.openxmlformats.org/markup-compatibility/2006" xmlns:p14="http://schemas.microsoft.com/office/powerpoint/2010/main">
+    <mc:Choice Requires="p14">
       <p:transition p14:dur="0" advClick="0" advTm="10500"/>
     </mc:Choice>
-    <mc:Fallback>
+    <mc:Fallback xmlns="">
       <p:transition advClick="0" advTm="10500"/>
     </mc:Fallback>
   </mc:AlternateContent>

--- a/excel_menu_gui/templates/presentation_template.pptx
+++ b/excel_menu_gui/templates/presentation_template.pptx
@@ -249,7 +249,7 @@
           <a:p>
             <a:fld id="{F002C93F-F68F-466C-B6A1-9C22EDD85320}" type="datetimeFigureOut">
               <a:rPr lang="ru-RU" smtClean="0"/>
-              <a:t>17.09.2025</a:t>
+              <a:t>27.09.2025</a:t>
             </a:fld>
             <a:endParaRPr lang="ru-RU"/>
           </a:p>
@@ -427,7 +427,7 @@
           <a:p>
             <a:fld id="{F002C93F-F68F-466C-B6A1-9C22EDD85320}" type="datetimeFigureOut">
               <a:rPr lang="ru-RU" smtClean="0"/>
-              <a:t>17.09.2025</a:t>
+              <a:t>27.09.2025</a:t>
             </a:fld>
             <a:endParaRPr lang="ru-RU"/>
           </a:p>
@@ -615,7 +615,7 @@
           <a:p>
             <a:fld id="{F002C93F-F68F-466C-B6A1-9C22EDD85320}" type="datetimeFigureOut">
               <a:rPr lang="ru-RU" smtClean="0"/>
-              <a:t>17.09.2025</a:t>
+              <a:t>27.09.2025</a:t>
             </a:fld>
             <a:endParaRPr lang="ru-RU"/>
           </a:p>
@@ -793,7 +793,7 @@
           <a:p>
             <a:fld id="{F002C93F-F68F-466C-B6A1-9C22EDD85320}" type="datetimeFigureOut">
               <a:rPr lang="ru-RU" smtClean="0"/>
-              <a:t>17.09.2025</a:t>
+              <a:t>27.09.2025</a:t>
             </a:fld>
             <a:endParaRPr lang="ru-RU"/>
           </a:p>
@@ -1047,7 +1047,7 @@
           <a:p>
             <a:fld id="{F002C93F-F68F-466C-B6A1-9C22EDD85320}" type="datetimeFigureOut">
               <a:rPr lang="ru-RU" smtClean="0"/>
-              <a:t>17.09.2025</a:t>
+              <a:t>27.09.2025</a:t>
             </a:fld>
             <a:endParaRPr lang="ru-RU"/>
           </a:p>
@@ -1287,7 +1287,7 @@
           <a:p>
             <a:fld id="{F002C93F-F68F-466C-B6A1-9C22EDD85320}" type="datetimeFigureOut">
               <a:rPr lang="ru-RU" smtClean="0"/>
-              <a:t>17.09.2025</a:t>
+              <a:t>27.09.2025</a:t>
             </a:fld>
             <a:endParaRPr lang="ru-RU"/>
           </a:p>
@@ -1662,7 +1662,7 @@
           <a:p>
             <a:fld id="{F002C93F-F68F-466C-B6A1-9C22EDD85320}" type="datetimeFigureOut">
               <a:rPr lang="ru-RU" smtClean="0"/>
-              <a:t>17.09.2025</a:t>
+              <a:t>27.09.2025</a:t>
             </a:fld>
             <a:endParaRPr lang="ru-RU"/>
           </a:p>
@@ -1788,7 +1788,7 @@
           <a:p>
             <a:fld id="{F002C93F-F68F-466C-B6A1-9C22EDD85320}" type="datetimeFigureOut">
               <a:rPr lang="ru-RU" smtClean="0"/>
-              <a:t>17.09.2025</a:t>
+              <a:t>27.09.2025</a:t>
             </a:fld>
             <a:endParaRPr lang="ru-RU"/>
           </a:p>
@@ -1891,7 +1891,7 @@
           <a:p>
             <a:fld id="{F002C93F-F68F-466C-B6A1-9C22EDD85320}" type="datetimeFigureOut">
               <a:rPr lang="ru-RU" smtClean="0"/>
-              <a:t>17.09.2025</a:t>
+              <a:t>27.09.2025</a:t>
             </a:fld>
             <a:endParaRPr lang="ru-RU"/>
           </a:p>
@@ -2176,7 +2176,7 @@
           <a:p>
             <a:fld id="{F002C93F-F68F-466C-B6A1-9C22EDD85320}" type="datetimeFigureOut">
               <a:rPr lang="ru-RU" smtClean="0"/>
-              <a:t>17.09.2025</a:t>
+              <a:t>27.09.2025</a:t>
             </a:fld>
             <a:endParaRPr lang="ru-RU"/>
           </a:p>
@@ -2441,7 +2441,7 @@
           <a:p>
             <a:fld id="{F002C93F-F68F-466C-B6A1-9C22EDD85320}" type="datetimeFigureOut">
               <a:rPr lang="ru-RU" smtClean="0"/>
-              <a:t>17.09.2025</a:t>
+              <a:t>27.09.2025</a:t>
             </a:fld>
             <a:endParaRPr lang="ru-RU"/>
           </a:p>
@@ -2662,7 +2662,7 @@
           <a:p>
             <a:fld id="{F002C93F-F68F-466C-B6A1-9C22EDD85320}" type="datetimeFigureOut">
               <a:rPr lang="ru-RU" smtClean="0"/>
-              <a:t>17.09.2025</a:t>
+              <a:t>27.09.2025</a:t>
             </a:fld>
             <a:endParaRPr lang="ru-RU"/>
           </a:p>
@@ -3412,14 +3412,14 @@
           <p:nvPr>
             <p:extLst>
               <p:ext uri="{D42A27DB-BD31-4B8C-83A1-F6EECF244321}">
-                <p14:modId xmlns:p14="http://schemas.microsoft.com/office/powerpoint/2010/main" val="4156096217"/>
+                <p14:modId xmlns:p14="http://schemas.microsoft.com/office/powerpoint/2010/main" val="1661321839"/>
               </p:ext>
             </p:extLst>
           </p:nvPr>
         </p:nvGraphicFramePr>
         <p:xfrm>
-          <a:off x="3431263" y="0"/>
-          <a:ext cx="8745648" cy="7625270"/>
+          <a:off x="3553271" y="0"/>
+          <a:ext cx="8623639" cy="7625270"/>
         </p:xfrm>
         <a:graphic>
           <a:graphicData uri="http://schemas.openxmlformats.org/drawingml/2006/table">
@@ -3429,21 +3429,21 @@
                 <a:tableStyleId>{5C22544A-7EE6-4342-B048-85BDC9FD1C3A}</a:tableStyleId>
               </a:tblPr>
               <a:tblGrid>
-                <a:gridCol w="5493017">
+                <a:gridCol w="5416385">
                   <a:extLst>
                     <a:ext uri="{9D8B030D-6E8A-4147-A177-3AD203B41FA5}">
                       <a16:colId xmlns:a16="http://schemas.microsoft.com/office/drawing/2014/main" val="3204575830"/>
                     </a:ext>
                   </a:extLst>
                 </a:gridCol>
-                <a:gridCol w="1767863">
+                <a:gridCol w="1743200">
                   <a:extLst>
                     <a:ext uri="{9D8B030D-6E8A-4147-A177-3AD203B41FA5}">
                       <a16:colId xmlns:a16="http://schemas.microsoft.com/office/drawing/2014/main" val="1718803145"/>
                     </a:ext>
                   </a:extLst>
                 </a:gridCol>
-                <a:gridCol w="1484768">
+                <a:gridCol w="1464054">
                   <a:extLst>
                     <a:ext uri="{9D8B030D-6E8A-4147-A177-3AD203B41FA5}">
                       <a16:colId xmlns:a16="http://schemas.microsoft.com/office/drawing/2014/main" val="1870086191"/>
@@ -4042,7 +4042,7 @@
                         <a:buNone/>
                       </a:pPr>
                       <a:r>
-                        <a:rPr lang="ru-RU" sz="2800" b="0" i="0" u="none" strike="noStrike">
+                        <a:rPr lang="ru-RU" sz="2800" b="0" i="0" u="none" strike="noStrike" dirty="0" err="1">
                           <a:solidFill>
                             <a:schemeClr val="tx1"/>
                           </a:solidFill>
@@ -4051,6 +4051,13 @@
                         </a:rPr>
                         <a:t>Коулслоу</a:t>
                       </a:r>
+                      <a:endParaRPr lang="ru-RU" sz="2800" b="0" i="0" u="none" strike="noStrike" dirty="0">
+                        <a:solidFill>
+                          <a:schemeClr val="tx1"/>
+                        </a:solidFill>
+                        <a:effectLst/>
+                        <a:latin typeface="Gilroy Medium" panose="00000600000000000000"/>
+                      </a:endParaRPr>
                     </a:p>
                   </a:txBody>
                   <a:tcPr marL="6350" marR="6350" marT="6350" marB="0" anchor="b">
@@ -4169,7 +4176,7 @@
                         <a:buNone/>
                       </a:pPr>
                       <a:r>
-                        <a:rPr lang="ru-RU" sz="2800" b="0" i="0" u="none" strike="noStrike">
+                        <a:rPr lang="ru-RU" sz="2800" b="0" i="0" u="none" strike="noStrike" dirty="0">
                           <a:solidFill>
                             <a:schemeClr val="tx1"/>
                           </a:solidFill>

--- a/excel_menu_gui/templates/presentation_template.pptx
+++ b/excel_menu_gui/templates/presentation_template.pptx
@@ -249,7 +249,7 @@
           <a:p>
             <a:fld id="{F002C93F-F68F-466C-B6A1-9C22EDD85320}" type="datetimeFigureOut">
               <a:rPr lang="ru-RU" smtClean="0"/>
-              <a:t>27.09.2025</a:t>
+              <a:t>29.10.2025</a:t>
             </a:fld>
             <a:endParaRPr lang="ru-RU"/>
           </a:p>
@@ -427,7 +427,7 @@
           <a:p>
             <a:fld id="{F002C93F-F68F-466C-B6A1-9C22EDD85320}" type="datetimeFigureOut">
               <a:rPr lang="ru-RU" smtClean="0"/>
-              <a:t>27.09.2025</a:t>
+              <a:t>29.10.2025</a:t>
             </a:fld>
             <a:endParaRPr lang="ru-RU"/>
           </a:p>
@@ -615,7 +615,7 @@
           <a:p>
             <a:fld id="{F002C93F-F68F-466C-B6A1-9C22EDD85320}" type="datetimeFigureOut">
               <a:rPr lang="ru-RU" smtClean="0"/>
-              <a:t>27.09.2025</a:t>
+              <a:t>29.10.2025</a:t>
             </a:fld>
             <a:endParaRPr lang="ru-RU"/>
           </a:p>
@@ -793,7 +793,7 @@
           <a:p>
             <a:fld id="{F002C93F-F68F-466C-B6A1-9C22EDD85320}" type="datetimeFigureOut">
               <a:rPr lang="ru-RU" smtClean="0"/>
-              <a:t>27.09.2025</a:t>
+              <a:t>29.10.2025</a:t>
             </a:fld>
             <a:endParaRPr lang="ru-RU"/>
           </a:p>
@@ -1047,7 +1047,7 @@
           <a:p>
             <a:fld id="{F002C93F-F68F-466C-B6A1-9C22EDD85320}" type="datetimeFigureOut">
               <a:rPr lang="ru-RU" smtClean="0"/>
-              <a:t>27.09.2025</a:t>
+              <a:t>29.10.2025</a:t>
             </a:fld>
             <a:endParaRPr lang="ru-RU"/>
           </a:p>
@@ -1287,7 +1287,7 @@
           <a:p>
             <a:fld id="{F002C93F-F68F-466C-B6A1-9C22EDD85320}" type="datetimeFigureOut">
               <a:rPr lang="ru-RU" smtClean="0"/>
-              <a:t>27.09.2025</a:t>
+              <a:t>29.10.2025</a:t>
             </a:fld>
             <a:endParaRPr lang="ru-RU"/>
           </a:p>
@@ -1662,7 +1662,7 @@
           <a:p>
             <a:fld id="{F002C93F-F68F-466C-B6A1-9C22EDD85320}" type="datetimeFigureOut">
               <a:rPr lang="ru-RU" smtClean="0"/>
-              <a:t>27.09.2025</a:t>
+              <a:t>29.10.2025</a:t>
             </a:fld>
             <a:endParaRPr lang="ru-RU"/>
           </a:p>
@@ -1788,7 +1788,7 @@
           <a:p>
             <a:fld id="{F002C93F-F68F-466C-B6A1-9C22EDD85320}" type="datetimeFigureOut">
               <a:rPr lang="ru-RU" smtClean="0"/>
-              <a:t>27.09.2025</a:t>
+              <a:t>29.10.2025</a:t>
             </a:fld>
             <a:endParaRPr lang="ru-RU"/>
           </a:p>
@@ -1891,7 +1891,7 @@
           <a:p>
             <a:fld id="{F002C93F-F68F-466C-B6A1-9C22EDD85320}" type="datetimeFigureOut">
               <a:rPr lang="ru-RU" smtClean="0"/>
-              <a:t>27.09.2025</a:t>
+              <a:t>29.10.2025</a:t>
             </a:fld>
             <a:endParaRPr lang="ru-RU"/>
           </a:p>
@@ -2176,7 +2176,7 @@
           <a:p>
             <a:fld id="{F002C93F-F68F-466C-B6A1-9C22EDD85320}" type="datetimeFigureOut">
               <a:rPr lang="ru-RU" smtClean="0"/>
-              <a:t>27.09.2025</a:t>
+              <a:t>29.10.2025</a:t>
             </a:fld>
             <a:endParaRPr lang="ru-RU"/>
           </a:p>
@@ -2441,7 +2441,7 @@
           <a:p>
             <a:fld id="{F002C93F-F68F-466C-B6A1-9C22EDD85320}" type="datetimeFigureOut">
               <a:rPr lang="ru-RU" smtClean="0"/>
-              <a:t>27.09.2025</a:t>
+              <a:t>29.10.2025</a:t>
             </a:fld>
             <a:endParaRPr lang="ru-RU"/>
           </a:p>
@@ -2662,7 +2662,7 @@
           <a:p>
             <a:fld id="{F002C93F-F68F-466C-B6A1-9C22EDD85320}" type="datetimeFigureOut">
               <a:rPr lang="ru-RU" smtClean="0"/>
-              <a:t>27.09.2025</a:t>
+              <a:t>29.10.2025</a:t>
             </a:fld>
             <a:endParaRPr lang="ru-RU"/>
           </a:p>
@@ -3386,7 +3386,7 @@
           </a:lstStyle>
           <a:p>
             <a:r>
-              <a:rPr lang="ru-RU" sz="5400" dirty="0">
+              <a:rPr lang="ru-RU" sz="4800" dirty="0">
                 <a:solidFill>
                   <a:srgbClr val="00B050"/>
                 </a:solidFill>
